--- a/Final_Project/Final_Project_w205.pptx
+++ b/Final_Project/Final_Project_w205.pptx
@@ -12,6 +12,7 @@
     <p:sldId id="259" r:id="rId6"/>
     <p:sldId id="257" r:id="rId7"/>
     <p:sldId id="260" r:id="rId8"/>
+    <p:sldId id="264" r:id="rId9"/>
   </p:sldIdLst>
   <p:sldSz cx="9144000" cy="6858000" type="screen4x3"/>
   <p:notesSz cx="6858000" cy="9144000"/>
@@ -366,7 +367,7 @@
           <a:p>
             <a:fld id="{EF6D1F3F-B805-4B11-A0E9-2ADBEA558097}" type="datetimeFigureOut">
               <a:rPr lang="en-US" smtClean="0"/>
-              <a:t>4/28/2016</a:t>
+              <a:t>5/1/2016</a:t>
             </a:fld>
             <a:endParaRPr lang="en-US"/>
           </a:p>
@@ -579,7 +580,7 @@
           <a:p>
             <a:fld id="{EF6D1F3F-B805-4B11-A0E9-2ADBEA558097}" type="datetimeFigureOut">
               <a:rPr lang="en-US" smtClean="0"/>
-              <a:t>4/28/2016</a:t>
+              <a:t>5/1/2016</a:t>
             </a:fld>
             <a:endParaRPr lang="en-US"/>
           </a:p>
@@ -846,7 +847,7 @@
           <a:p>
             <a:fld id="{EF6D1F3F-B805-4B11-A0E9-2ADBEA558097}" type="datetimeFigureOut">
               <a:rPr lang="en-US" smtClean="0"/>
-              <a:t>4/28/2016</a:t>
+              <a:t>5/1/2016</a:t>
             </a:fld>
             <a:endParaRPr lang="en-US"/>
           </a:p>
@@ -996,7 +997,7 @@
           <a:p>
             <a:fld id="{EF6D1F3F-B805-4B11-A0E9-2ADBEA558097}" type="datetimeFigureOut">
               <a:rPr lang="en-US" smtClean="0"/>
-              <a:t>4/28/2016</a:t>
+              <a:t>5/1/2016</a:t>
             </a:fld>
             <a:endParaRPr lang="en-US"/>
           </a:p>
@@ -1326,7 +1327,7 @@
           <a:p>
             <a:fld id="{EF6D1F3F-B805-4B11-A0E9-2ADBEA558097}" type="datetimeFigureOut">
               <a:rPr lang="en-US" smtClean="0"/>
-              <a:t>4/28/2016</a:t>
+              <a:t>5/1/2016</a:t>
             </a:fld>
             <a:endParaRPr lang="en-US"/>
           </a:p>
@@ -1634,7 +1635,7 @@
           <a:p>
             <a:fld id="{EF6D1F3F-B805-4B11-A0E9-2ADBEA558097}" type="datetimeFigureOut">
               <a:rPr lang="en-US" smtClean="0"/>
-              <a:t>4/28/2016</a:t>
+              <a:t>5/1/2016</a:t>
             </a:fld>
             <a:endParaRPr lang="en-US"/>
           </a:p>
@@ -2055,7 +2056,7 @@
           <a:p>
             <a:fld id="{EF6D1F3F-B805-4B11-A0E9-2ADBEA558097}" type="datetimeFigureOut">
               <a:rPr lang="en-US" smtClean="0"/>
-              <a:t>4/28/2016</a:t>
+              <a:t>5/1/2016</a:t>
             </a:fld>
             <a:endParaRPr lang="en-US"/>
           </a:p>
@@ -2168,7 +2169,7 @@
           <a:p>
             <a:fld id="{EF6D1F3F-B805-4B11-A0E9-2ADBEA558097}" type="datetimeFigureOut">
               <a:rPr lang="en-US" smtClean="0"/>
-              <a:t>4/28/2016</a:t>
+              <a:t>5/1/2016</a:t>
             </a:fld>
             <a:endParaRPr lang="en-US"/>
           </a:p>
@@ -2327,7 +2328,7 @@
           <a:p>
             <a:fld id="{EF6D1F3F-B805-4B11-A0E9-2ADBEA558097}" type="datetimeFigureOut">
               <a:rPr lang="en-US" smtClean="0"/>
-              <a:t>4/28/2016</a:t>
+              <a:t>5/1/2016</a:t>
             </a:fld>
             <a:endParaRPr lang="en-US"/>
           </a:p>
@@ -2711,7 +2712,7 @@
           <a:p>
             <a:fld id="{EF6D1F3F-B805-4B11-A0E9-2ADBEA558097}" type="datetimeFigureOut">
               <a:rPr lang="en-US" smtClean="0"/>
-              <a:t>4/28/2016</a:t>
+              <a:t>5/1/2016</a:t>
             </a:fld>
             <a:endParaRPr lang="en-US"/>
           </a:p>
@@ -3073,7 +3074,7 @@
           <a:p>
             <a:fld id="{EF6D1F3F-B805-4B11-A0E9-2ADBEA558097}" type="datetimeFigureOut">
               <a:rPr lang="en-US" smtClean="0"/>
-              <a:t>4/28/2016</a:t>
+              <a:t>5/1/2016</a:t>
             </a:fld>
             <a:endParaRPr lang="en-US"/>
           </a:p>
@@ -3407,7 +3408,7 @@
           <a:p>
             <a:fld id="{EF6D1F3F-B805-4B11-A0E9-2ADBEA558097}" type="datetimeFigureOut">
               <a:rPr lang="en-US" smtClean="0"/>
-              <a:t>4/28/2016</a:t>
+              <a:t>5/1/2016</a:t>
             </a:fld>
             <a:endParaRPr lang="en-US"/>
           </a:p>
@@ -5585,7 +5586,6 @@
               <a:rPr lang="en-US" sz="1800" dirty="0" smtClean="0"/>
               <a:t>Cascading delays analyzed by calculating correlation between departure &amp; arrival delays</a:t>
             </a:r>
-            <a:endParaRPr lang="en-US" sz="1800" dirty="0" smtClean="0"/>
           </a:p>
           <a:p>
             <a:pPr>
@@ -5601,11 +5601,7 @@
             </a:pPr>
             <a:r>
               <a:rPr lang="en-US" sz="1800" dirty="0" smtClean="0"/>
-              <a:t>Highest </a:t>
-            </a:r>
-            <a:r>
-              <a:rPr lang="en-US" sz="1800" dirty="0" smtClean="0"/>
-              <a:t>number of flights cancelled have a distance &lt;1000 mi</a:t>
+              <a:t>Highest number of flights cancelled have a distance &lt;1000 mi</a:t>
             </a:r>
           </a:p>
           <a:p>
@@ -5996,6 +5992,122 @@
     <p:extLst>
       <p:ext uri="{BB962C8B-B14F-4D97-AF65-F5344CB8AC3E}">
         <p14:creationId xmlns:p14="http://schemas.microsoft.com/office/powerpoint/2010/main" val="595594137"/>
+      </p:ext>
+    </p:extLst>
+  </p:cSld>
+  <p:clrMapOvr>
+    <a:masterClrMapping/>
+  </p:clrMapOvr>
+  <p:timing>
+    <p:tnLst>
+      <p:par>
+        <p:cTn id="1" dur="indefinite" restart="never" nodeType="tmRoot"/>
+      </p:par>
+    </p:tnLst>
+  </p:timing>
+</p:sld>
+</file>
+
+<file path=ppt/slides/slide8.xml><?xml version="1.0" encoding="utf-8"?>
+<p:sld xmlns:a="http://schemas.openxmlformats.org/drawingml/2006/main" xmlns:r="http://schemas.openxmlformats.org/officeDocument/2006/relationships" xmlns:p="http://schemas.openxmlformats.org/presentationml/2006/main">
+  <p:cSld>
+    <p:spTree>
+      <p:nvGrpSpPr>
+        <p:cNvPr id="1" name=""/>
+        <p:cNvGrpSpPr/>
+        <p:nvPr/>
+      </p:nvGrpSpPr>
+      <p:grpSpPr>
+        <a:xfrm>
+          <a:off x="0" y="0"/>
+          <a:ext cx="0" cy="0"/>
+          <a:chOff x="0" y="0"/>
+          <a:chExt cx="0" cy="0"/>
+        </a:xfrm>
+      </p:grpSpPr>
+      <p:sp>
+        <p:nvSpPr>
+          <p:cNvPr id="3" name="Title 2"/>
+          <p:cNvSpPr>
+            <a:spLocks noGrp="1"/>
+          </p:cNvSpPr>
+          <p:nvPr>
+            <p:ph type="title"/>
+          </p:nvPr>
+        </p:nvSpPr>
+        <p:spPr/>
+        <p:txBody>
+          <a:bodyPr/>
+          <a:lstStyle/>
+          <a:p>
+            <a:r>
+              <a:rPr lang="en-US" dirty="0" smtClean="0"/>
+              <a:t>TABLEAU</a:t>
+            </a:r>
+            <a:endParaRPr lang="en-US" dirty="0"/>
+          </a:p>
+        </p:txBody>
+      </p:sp>
+      <p:pic>
+        <p:nvPicPr>
+          <p:cNvPr id="1026" name="Picture 2"/>
+          <p:cNvPicPr>
+            <a:picLocks noGrp="1" noChangeAspect="1" noChangeArrowheads="1"/>
+          </p:cNvPicPr>
+          <p:nvPr>
+            <p:ph idx="1"/>
+          </p:nvPr>
+        </p:nvPicPr>
+        <p:blipFill>
+          <a:blip r:embed="rId2">
+            <a:extLst>
+              <a:ext uri="{28A0092B-C50C-407E-A947-70E740481C1C}">
+                <a14:useLocalDpi xmlns:a14="http://schemas.microsoft.com/office/drawing/2010/main" val="0"/>
+              </a:ext>
+            </a:extLst>
+          </a:blip>
+          <a:srcRect/>
+          <a:stretch>
+            <a:fillRect/>
+          </a:stretch>
+        </p:blipFill>
+        <p:spPr bwMode="auto">
+          <a:xfrm>
+            <a:off x="1844091" y="1719263"/>
+            <a:ext cx="5481218" cy="4406900"/>
+          </a:xfrm>
+          <a:prstGeom prst="rect">
+            <a:avLst/>
+          </a:prstGeom>
+          <a:noFill/>
+          <a:ln>
+            <a:noFill/>
+          </a:ln>
+          <a:extLst>
+            <a:ext uri="{909E8E84-426E-40DD-AFC4-6F175D3DCCD1}">
+              <a14:hiddenFill xmlns:a14="http://schemas.microsoft.com/office/drawing/2010/main">
+                <a:solidFill>
+                  <a:schemeClr val="accent1"/>
+                </a:solidFill>
+              </a14:hiddenFill>
+            </a:ext>
+            <a:ext uri="{91240B29-F687-4F45-9708-019B960494DF}">
+              <a14:hiddenLine xmlns:a14="http://schemas.microsoft.com/office/drawing/2010/main" w="9525">
+                <a:solidFill>
+                  <a:schemeClr val="tx1"/>
+                </a:solidFill>
+                <a:miter lim="800000"/>
+                <a:headEnd/>
+                <a:tailEnd/>
+              </a14:hiddenLine>
+            </a:ext>
+          </a:extLst>
+        </p:spPr>
+      </p:pic>
+    </p:spTree>
+    <p:extLst>
+      <p:ext uri="{BB962C8B-B14F-4D97-AF65-F5344CB8AC3E}">
+        <p14:creationId xmlns:p14="http://schemas.microsoft.com/office/powerpoint/2010/main" val="3313205163"/>
       </p:ext>
     </p:extLst>
   </p:cSld>
